--- a/Figure1/figure1.pptx
+++ b/Figure1/figure1.pptx
@@ -208,7 +208,7 @@
           <a:p>
             <a:fld id="{EE71EE4F-1070-4843-8F04-FAA00A473E71}" type="datetimeFigureOut">
               <a:rPr lang="en-GB" smtClean="0"/>
-              <a:t>23/04/2023</a:t>
+              <a:t>12/05/2023</a:t>
             </a:fld>
             <a:endParaRPr lang="en-GB"/>
           </a:p>
@@ -695,7 +695,7 @@
           <a:p>
             <a:fld id="{69692BFF-6F05-AF42-AB3E-12F88C32B737}" type="datetimeFigureOut">
               <a:rPr lang="en-GB" smtClean="0"/>
-              <a:t>23/04/2023</a:t>
+              <a:t>12/05/2023</a:t>
             </a:fld>
             <a:endParaRPr lang="en-GB"/>
           </a:p>
@@ -865,7 +865,7 @@
           <a:p>
             <a:fld id="{69692BFF-6F05-AF42-AB3E-12F88C32B737}" type="datetimeFigureOut">
               <a:rPr lang="en-GB" smtClean="0"/>
-              <a:t>23/04/2023</a:t>
+              <a:t>12/05/2023</a:t>
             </a:fld>
             <a:endParaRPr lang="en-GB"/>
           </a:p>
@@ -1045,7 +1045,7 @@
           <a:p>
             <a:fld id="{69692BFF-6F05-AF42-AB3E-12F88C32B737}" type="datetimeFigureOut">
               <a:rPr lang="en-GB" smtClean="0"/>
-              <a:t>23/04/2023</a:t>
+              <a:t>12/05/2023</a:t>
             </a:fld>
             <a:endParaRPr lang="en-GB"/>
           </a:p>
@@ -1215,7 +1215,7 @@
           <a:p>
             <a:fld id="{69692BFF-6F05-AF42-AB3E-12F88C32B737}" type="datetimeFigureOut">
               <a:rPr lang="en-GB" smtClean="0"/>
-              <a:t>23/04/2023</a:t>
+              <a:t>12/05/2023</a:t>
             </a:fld>
             <a:endParaRPr lang="en-GB"/>
           </a:p>
@@ -1461,7 +1461,7 @@
           <a:p>
             <a:fld id="{69692BFF-6F05-AF42-AB3E-12F88C32B737}" type="datetimeFigureOut">
               <a:rPr lang="en-GB" smtClean="0"/>
-              <a:t>23/04/2023</a:t>
+              <a:t>12/05/2023</a:t>
             </a:fld>
             <a:endParaRPr lang="en-GB"/>
           </a:p>
@@ -1693,7 +1693,7 @@
           <a:p>
             <a:fld id="{69692BFF-6F05-AF42-AB3E-12F88C32B737}" type="datetimeFigureOut">
               <a:rPr lang="en-GB" smtClean="0"/>
-              <a:t>23/04/2023</a:t>
+              <a:t>12/05/2023</a:t>
             </a:fld>
             <a:endParaRPr lang="en-GB"/>
           </a:p>
@@ -2060,7 +2060,7 @@
           <a:p>
             <a:fld id="{69692BFF-6F05-AF42-AB3E-12F88C32B737}" type="datetimeFigureOut">
               <a:rPr lang="en-GB" smtClean="0"/>
-              <a:t>23/04/2023</a:t>
+              <a:t>12/05/2023</a:t>
             </a:fld>
             <a:endParaRPr lang="en-GB"/>
           </a:p>
@@ -2178,7 +2178,7 @@
           <a:p>
             <a:fld id="{69692BFF-6F05-AF42-AB3E-12F88C32B737}" type="datetimeFigureOut">
               <a:rPr lang="en-GB" smtClean="0"/>
-              <a:t>23/04/2023</a:t>
+              <a:t>12/05/2023</a:t>
             </a:fld>
             <a:endParaRPr lang="en-GB"/>
           </a:p>
@@ -2273,7 +2273,7 @@
           <a:p>
             <a:fld id="{69692BFF-6F05-AF42-AB3E-12F88C32B737}" type="datetimeFigureOut">
               <a:rPr lang="en-GB" smtClean="0"/>
-              <a:t>23/04/2023</a:t>
+              <a:t>12/05/2023</a:t>
             </a:fld>
             <a:endParaRPr lang="en-GB"/>
           </a:p>
@@ -2550,7 +2550,7 @@
           <a:p>
             <a:fld id="{69692BFF-6F05-AF42-AB3E-12F88C32B737}" type="datetimeFigureOut">
               <a:rPr lang="en-GB" smtClean="0"/>
-              <a:t>23/04/2023</a:t>
+              <a:t>12/05/2023</a:t>
             </a:fld>
             <a:endParaRPr lang="en-GB"/>
           </a:p>
@@ -2807,7 +2807,7 @@
           <a:p>
             <a:fld id="{69692BFF-6F05-AF42-AB3E-12F88C32B737}" type="datetimeFigureOut">
               <a:rPr lang="en-GB" smtClean="0"/>
-              <a:t>23/04/2023</a:t>
+              <a:t>12/05/2023</a:t>
             </a:fld>
             <a:endParaRPr lang="en-GB"/>
           </a:p>
@@ -3020,7 +3020,7 @@
           <a:p>
             <a:fld id="{69692BFF-6F05-AF42-AB3E-12F88C32B737}" type="datetimeFigureOut">
               <a:rPr lang="en-GB" smtClean="0"/>
-              <a:t>23/04/2023</a:t>
+              <a:t>12/05/2023</a:t>
             </a:fld>
             <a:endParaRPr lang="en-GB"/>
           </a:p>
@@ -3425,72 +3425,6 @@
           <a:chExt cx="0" cy="0"/>
         </a:xfrm>
       </p:grpSpPr>
-      <p:pic>
-        <p:nvPicPr>
-          <p:cNvPr id="113" name="Picture 112">
-            <a:extLst>
-              <a:ext uri="{FF2B5EF4-FFF2-40B4-BE49-F238E27FC236}">
-                <a16:creationId xmlns:a16="http://schemas.microsoft.com/office/drawing/2014/main" id="{EA845E10-E27E-F055-71D3-18CFE1464C3E}"/>
-              </a:ext>
-            </a:extLst>
-          </p:cNvPr>
-          <p:cNvPicPr>
-            <a:picLocks noChangeAspect="1"/>
-          </p:cNvPicPr>
-          <p:nvPr/>
-        </p:nvPicPr>
-        <p:blipFill>
-          <a:blip r:embed="rId3"/>
-          <a:stretch>
-            <a:fillRect/>
-          </a:stretch>
-        </p:blipFill>
-        <p:spPr>
-          <a:xfrm>
-            <a:off x="343218" y="572883"/>
-            <a:ext cx="529851" cy="552285"/>
-          </a:xfrm>
-          <a:prstGeom prst="rect">
-            <a:avLst/>
-          </a:prstGeom>
-        </p:spPr>
-      </p:pic>
-      <p:pic>
-        <p:nvPicPr>
-          <p:cNvPr id="115" name="Graphic 114" descr="Money">
-            <a:extLst>
-              <a:ext uri="{FF2B5EF4-FFF2-40B4-BE49-F238E27FC236}">
-                <a16:creationId xmlns:a16="http://schemas.microsoft.com/office/drawing/2014/main" id="{469D0CC0-C40E-3D5B-6DA4-9CCA90FE8D26}"/>
-              </a:ext>
-            </a:extLst>
-          </p:cNvPr>
-          <p:cNvPicPr>
-            <a:picLocks noChangeAspect="1"/>
-          </p:cNvPicPr>
-          <p:nvPr/>
-        </p:nvPicPr>
-        <p:blipFill>
-          <a:blip r:embed="rId4">
-            <a:extLst>
-              <a:ext uri="{96DAC541-7B7A-43D3-8B79-37D633B846F1}">
-                <asvg:svgBlip xmlns:asvg="http://schemas.microsoft.com/office/drawing/2016/SVG/main" r:embed="rId5"/>
-              </a:ext>
-            </a:extLst>
-          </a:blip>
-          <a:stretch>
-            <a:fillRect/>
-          </a:stretch>
-        </p:blipFill>
-        <p:spPr>
-          <a:xfrm>
-            <a:off x="743983" y="435497"/>
-            <a:ext cx="390495" cy="390495"/>
-          </a:xfrm>
-          <a:prstGeom prst="rect">
-            <a:avLst/>
-          </a:prstGeom>
-        </p:spPr>
-      </p:pic>
       <p:sp>
         <p:nvSpPr>
           <p:cNvPr id="118" name="TextBox 117">
@@ -3652,7 +3586,7 @@
           <p:nvPr/>
         </p:nvPicPr>
         <p:blipFill>
-          <a:blip r:embed="rId6"/>
+          <a:blip r:embed="rId3"/>
           <a:stretch>
             <a:fillRect/>
           </a:stretch>
@@ -3682,10 +3616,10 @@
           <p:nvPr/>
         </p:nvPicPr>
         <p:blipFill>
-          <a:blip r:embed="rId7">
+          <a:blip r:embed="rId4">
             <a:extLst>
               <a:ext uri="{96DAC541-7B7A-43D3-8B79-37D633B846F1}">
-                <asvg:svgBlip xmlns:asvg="http://schemas.microsoft.com/office/drawing/2016/SVG/main" r:embed="rId8"/>
+                <asvg:svgBlip xmlns:asvg="http://schemas.microsoft.com/office/drawing/2016/SVG/main" r:embed="rId5"/>
               </a:ext>
             </a:extLst>
           </a:blip>
@@ -3718,10 +3652,10 @@
           <p:nvPr/>
         </p:nvPicPr>
         <p:blipFill>
-          <a:blip r:embed="rId9">
+          <a:blip r:embed="rId6">
             <a:extLst>
               <a:ext uri="{96DAC541-7B7A-43D3-8B79-37D633B846F1}">
-                <asvg:svgBlip xmlns:asvg="http://schemas.microsoft.com/office/drawing/2016/SVG/main" r:embed="rId10"/>
+                <asvg:svgBlip xmlns:asvg="http://schemas.microsoft.com/office/drawing/2016/SVG/main" r:embed="rId7"/>
               </a:ext>
             </a:extLst>
           </a:blip>
@@ -3966,10 +3900,10 @@
           <p:nvPr/>
         </p:nvPicPr>
         <p:blipFill>
-          <a:blip r:embed="rId4">
+          <a:blip r:embed="rId13">
             <a:extLst>
               <a:ext uri="{96DAC541-7B7A-43D3-8B79-37D633B846F1}">
-                <asvg:svgBlip xmlns:asvg="http://schemas.microsoft.com/office/drawing/2016/SVG/main" r:embed="rId13"/>
+                <asvg:svgBlip xmlns:asvg="http://schemas.microsoft.com/office/drawing/2016/SVG/main" r:embed="rId14"/>
               </a:ext>
             </a:extLst>
           </a:blip>
@@ -4287,7 +4221,7 @@
                 <a:avLst/>
               </a:prstGeom>
               <a:blipFill>
-                <a:blip r:embed="rId14"/>
+                <a:blip r:embed="rId15"/>
                 <a:stretch>
                   <a:fillRect b="-4545"/>
                 </a:stretch>
@@ -4447,7 +4381,7 @@
                 <a:avLst/>
               </a:prstGeom>
               <a:blipFill>
-                <a:blip r:embed="rId15"/>
+                <a:blip r:embed="rId16"/>
                 <a:stretch>
                   <a:fillRect b="-4545"/>
                 </a:stretch>
@@ -4565,7 +4499,7 @@
                 <a:avLst/>
               </a:prstGeom>
               <a:blipFill>
-                <a:blip r:embed="rId16"/>
+                <a:blip r:embed="rId17"/>
                 <a:stretch>
                   <a:fillRect/>
                 </a:stretch>
@@ -4683,7 +4617,7 @@
                 <a:avLst/>
               </a:prstGeom>
               <a:blipFill>
-                <a:blip r:embed="rId17"/>
+                <a:blip r:embed="rId18"/>
                 <a:stretch>
                   <a:fillRect/>
                 </a:stretch>
@@ -4801,7 +4735,7 @@
                 <a:avLst/>
               </a:prstGeom>
               <a:blipFill>
-                <a:blip r:embed="rId18"/>
+                <a:blip r:embed="rId19"/>
                 <a:stretch>
                   <a:fillRect/>
                 </a:stretch>
@@ -4905,7 +4839,7 @@
                 <a:avLst/>
               </a:prstGeom>
               <a:blipFill>
-                <a:blip r:embed="rId19"/>
+                <a:blip r:embed="rId20"/>
                 <a:stretch>
                   <a:fillRect/>
                 </a:stretch>
@@ -5009,7 +4943,7 @@
                 <a:avLst/>
               </a:prstGeom>
               <a:blipFill>
-                <a:blip r:embed="rId20"/>
+                <a:blip r:embed="rId21"/>
                 <a:stretch>
                   <a:fillRect b="-4545"/>
                 </a:stretch>
@@ -5258,7 +5192,7 @@
                 <a:avLst/>
               </a:prstGeom>
               <a:blipFill>
-                <a:blip r:embed="rId21"/>
+                <a:blip r:embed="rId22"/>
                 <a:stretch>
                   <a:fillRect b="-4545"/>
                 </a:stretch>
@@ -5418,7 +5352,7 @@
                 <a:avLst/>
               </a:prstGeom>
               <a:blipFill>
-                <a:blip r:embed="rId22"/>
+                <a:blip r:embed="rId23"/>
                 <a:stretch>
                   <a:fillRect b="-4545"/>
                 </a:stretch>
@@ -5536,7 +5470,7 @@
                 <a:avLst/>
               </a:prstGeom>
               <a:blipFill>
-                <a:blip r:embed="rId23"/>
+                <a:blip r:embed="rId24"/>
                 <a:stretch>
                   <a:fillRect/>
                 </a:stretch>
@@ -5654,7 +5588,7 @@
                 <a:avLst/>
               </a:prstGeom>
               <a:blipFill>
-                <a:blip r:embed="rId24"/>
+                <a:blip r:embed="rId25"/>
                 <a:stretch>
                   <a:fillRect/>
                 </a:stretch>
@@ -5772,7 +5706,7 @@
                 <a:avLst/>
               </a:prstGeom>
               <a:blipFill>
-                <a:blip r:embed="rId25"/>
+                <a:blip r:embed="rId26"/>
                 <a:stretch>
                   <a:fillRect/>
                 </a:stretch>
@@ -5890,7 +5824,7 @@
                 <a:avLst/>
               </a:prstGeom>
               <a:blipFill>
-                <a:blip r:embed="rId26"/>
+                <a:blip r:embed="rId27"/>
                 <a:stretch>
                   <a:fillRect/>
                 </a:stretch>
@@ -6041,7 +5975,7 @@
                 <a:avLst/>
               </a:prstGeom>
               <a:blipFill>
-                <a:blip r:embed="rId27"/>
+                <a:blip r:embed="rId28"/>
                 <a:stretch>
                   <a:fillRect/>
                 </a:stretch>
@@ -6292,10 +6226,10 @@
           <p:nvPr/>
         </p:nvPicPr>
         <p:blipFill>
-          <a:blip r:embed="rId28">
+          <a:blip r:embed="rId29">
             <a:extLst>
               <a:ext uri="{96DAC541-7B7A-43D3-8B79-37D633B846F1}">
-                <asvg:svgBlip xmlns:asvg="http://schemas.microsoft.com/office/drawing/2016/SVG/main" r:embed="rId29"/>
+                <asvg:svgBlip xmlns:asvg="http://schemas.microsoft.com/office/drawing/2016/SVG/main" r:embed="rId30"/>
               </a:ext>
             </a:extLst>
           </a:blip>
@@ -6328,10 +6262,10 @@
           <p:nvPr/>
         </p:nvPicPr>
         <p:blipFill>
-          <a:blip r:embed="rId28">
+          <a:blip r:embed="rId29">
             <a:extLst>
               <a:ext uri="{96DAC541-7B7A-43D3-8B79-37D633B846F1}">
-                <asvg:svgBlip xmlns:asvg="http://schemas.microsoft.com/office/drawing/2016/SVG/main" r:embed="rId29"/>
+                <asvg:svgBlip xmlns:asvg="http://schemas.microsoft.com/office/drawing/2016/SVG/main" r:embed="rId30"/>
               </a:ext>
             </a:extLst>
           </a:blip>
@@ -6372,10 +6306,10 @@
           <p:nvPr/>
         </p:nvPicPr>
         <p:blipFill>
-          <a:blip r:embed="rId28">
+          <a:blip r:embed="rId29">
             <a:extLst>
               <a:ext uri="{96DAC541-7B7A-43D3-8B79-37D633B846F1}">
-                <asvg:svgBlip xmlns:asvg="http://schemas.microsoft.com/office/drawing/2016/SVG/main" r:embed="rId29"/>
+                <asvg:svgBlip xmlns:asvg="http://schemas.microsoft.com/office/drawing/2016/SVG/main" r:embed="rId30"/>
               </a:ext>
             </a:extLst>
           </a:blip>
@@ -6416,10 +6350,10 @@
           <p:nvPr/>
         </p:nvPicPr>
         <p:blipFill>
-          <a:blip r:embed="rId28">
+          <a:blip r:embed="rId29">
             <a:extLst>
               <a:ext uri="{96DAC541-7B7A-43D3-8B79-37D633B846F1}">
-                <asvg:svgBlip xmlns:asvg="http://schemas.microsoft.com/office/drawing/2016/SVG/main" r:embed="rId29"/>
+                <asvg:svgBlip xmlns:asvg="http://schemas.microsoft.com/office/drawing/2016/SVG/main" r:embed="rId30"/>
               </a:ext>
             </a:extLst>
           </a:blip>
@@ -6452,10 +6386,10 @@
           <p:nvPr/>
         </p:nvPicPr>
         <p:blipFill>
-          <a:blip r:embed="rId30">
+          <a:blip r:embed="rId31">
             <a:extLst>
               <a:ext uri="{96DAC541-7B7A-43D3-8B79-37D633B846F1}">
-                <asvg:svgBlip xmlns:asvg="http://schemas.microsoft.com/office/drawing/2016/SVG/main" r:embed="rId31"/>
+                <asvg:svgBlip xmlns:asvg="http://schemas.microsoft.com/office/drawing/2016/SVG/main" r:embed="rId32"/>
               </a:ext>
             </a:extLst>
           </a:blip>
@@ -6488,10 +6422,10 @@
           <p:nvPr/>
         </p:nvPicPr>
         <p:blipFill>
-          <a:blip r:embed="rId30">
+          <a:blip r:embed="rId31">
             <a:extLst>
               <a:ext uri="{96DAC541-7B7A-43D3-8B79-37D633B846F1}">
-                <asvg:svgBlip xmlns:asvg="http://schemas.microsoft.com/office/drawing/2016/SVG/main" r:embed="rId31"/>
+                <asvg:svgBlip xmlns:asvg="http://schemas.microsoft.com/office/drawing/2016/SVG/main" r:embed="rId32"/>
               </a:ext>
             </a:extLst>
           </a:blip>
@@ -6532,10 +6466,10 @@
           <p:nvPr/>
         </p:nvPicPr>
         <p:blipFill>
-          <a:blip r:embed="rId32">
+          <a:blip r:embed="rId33">
             <a:extLst>
               <a:ext uri="{96DAC541-7B7A-43D3-8B79-37D633B846F1}">
-                <asvg:svgBlip xmlns:asvg="http://schemas.microsoft.com/office/drawing/2016/SVG/main" r:embed="rId33"/>
+                <asvg:svgBlip xmlns:asvg="http://schemas.microsoft.com/office/drawing/2016/SVG/main" r:embed="rId34"/>
               </a:ext>
             </a:extLst>
           </a:blip>
@@ -6576,10 +6510,10 @@
           <p:nvPr/>
         </p:nvPicPr>
         <p:blipFill>
-          <a:blip r:embed="rId32">
+          <a:blip r:embed="rId33">
             <a:extLst>
               <a:ext uri="{96DAC541-7B7A-43D3-8B79-37D633B846F1}">
-                <asvg:svgBlip xmlns:asvg="http://schemas.microsoft.com/office/drawing/2016/SVG/main" r:embed="rId33"/>
+                <asvg:svgBlip xmlns:asvg="http://schemas.microsoft.com/office/drawing/2016/SVG/main" r:embed="rId34"/>
               </a:ext>
             </a:extLst>
           </a:blip>
@@ -6612,10 +6546,10 @@
           <p:nvPr/>
         </p:nvPicPr>
         <p:blipFill>
-          <a:blip r:embed="rId28">
+          <a:blip r:embed="rId29">
             <a:extLst>
               <a:ext uri="{96DAC541-7B7A-43D3-8B79-37D633B846F1}">
-                <asvg:svgBlip xmlns:asvg="http://schemas.microsoft.com/office/drawing/2016/SVG/main" r:embed="rId29"/>
+                <asvg:svgBlip xmlns:asvg="http://schemas.microsoft.com/office/drawing/2016/SVG/main" r:embed="rId30"/>
               </a:ext>
             </a:extLst>
           </a:blip>
@@ -6656,10 +6590,10 @@
           <p:nvPr/>
         </p:nvPicPr>
         <p:blipFill>
-          <a:blip r:embed="rId28">
+          <a:blip r:embed="rId29">
             <a:extLst>
               <a:ext uri="{96DAC541-7B7A-43D3-8B79-37D633B846F1}">
-                <asvg:svgBlip xmlns:asvg="http://schemas.microsoft.com/office/drawing/2016/SVG/main" r:embed="rId29"/>
+                <asvg:svgBlip xmlns:asvg="http://schemas.microsoft.com/office/drawing/2016/SVG/main" r:embed="rId30"/>
               </a:ext>
             </a:extLst>
           </a:blip>
@@ -6700,10 +6634,10 @@
           <p:nvPr/>
         </p:nvPicPr>
         <p:blipFill>
-          <a:blip r:embed="rId28">
+          <a:blip r:embed="rId29">
             <a:extLst>
               <a:ext uri="{96DAC541-7B7A-43D3-8B79-37D633B846F1}">
-                <asvg:svgBlip xmlns:asvg="http://schemas.microsoft.com/office/drawing/2016/SVG/main" r:embed="rId29"/>
+                <asvg:svgBlip xmlns:asvg="http://schemas.microsoft.com/office/drawing/2016/SVG/main" r:embed="rId30"/>
               </a:ext>
             </a:extLst>
           </a:blip>
@@ -6736,10 +6670,10 @@
           <p:nvPr/>
         </p:nvPicPr>
         <p:blipFill>
-          <a:blip r:embed="rId28">
+          <a:blip r:embed="rId29">
             <a:extLst>
               <a:ext uri="{96DAC541-7B7A-43D3-8B79-37D633B846F1}">
-                <asvg:svgBlip xmlns:asvg="http://schemas.microsoft.com/office/drawing/2016/SVG/main" r:embed="rId29"/>
+                <asvg:svgBlip xmlns:asvg="http://schemas.microsoft.com/office/drawing/2016/SVG/main" r:embed="rId30"/>
               </a:ext>
             </a:extLst>
           </a:blip>
@@ -6780,10 +6714,10 @@
           <p:nvPr/>
         </p:nvPicPr>
         <p:blipFill>
-          <a:blip r:embed="rId28">
+          <a:blip r:embed="rId29">
             <a:extLst>
               <a:ext uri="{96DAC541-7B7A-43D3-8B79-37D633B846F1}">
-                <asvg:svgBlip xmlns:asvg="http://schemas.microsoft.com/office/drawing/2016/SVG/main" r:embed="rId29"/>
+                <asvg:svgBlip xmlns:asvg="http://schemas.microsoft.com/office/drawing/2016/SVG/main" r:embed="rId30"/>
               </a:ext>
             </a:extLst>
           </a:blip>
@@ -6824,10 +6758,10 @@
           <p:nvPr/>
         </p:nvPicPr>
         <p:blipFill>
-          <a:blip r:embed="rId28">
+          <a:blip r:embed="rId29">
             <a:extLst>
               <a:ext uri="{96DAC541-7B7A-43D3-8B79-37D633B846F1}">
-                <asvg:svgBlip xmlns:asvg="http://schemas.microsoft.com/office/drawing/2016/SVG/main" r:embed="rId29"/>
+                <asvg:svgBlip xmlns:asvg="http://schemas.microsoft.com/office/drawing/2016/SVG/main" r:embed="rId30"/>
               </a:ext>
             </a:extLst>
           </a:blip>
@@ -6860,10 +6794,10 @@
           <p:nvPr/>
         </p:nvPicPr>
         <p:blipFill>
-          <a:blip r:embed="rId28">
+          <a:blip r:embed="rId29">
             <a:extLst>
               <a:ext uri="{96DAC541-7B7A-43D3-8B79-37D633B846F1}">
-                <asvg:svgBlip xmlns:asvg="http://schemas.microsoft.com/office/drawing/2016/SVG/main" r:embed="rId29"/>
+                <asvg:svgBlip xmlns:asvg="http://schemas.microsoft.com/office/drawing/2016/SVG/main" r:embed="rId30"/>
               </a:ext>
             </a:extLst>
           </a:blip>
@@ -6896,10 +6830,10 @@
           <p:nvPr/>
         </p:nvPicPr>
         <p:blipFill>
-          <a:blip r:embed="rId28">
+          <a:blip r:embed="rId29">
             <a:extLst>
               <a:ext uri="{96DAC541-7B7A-43D3-8B79-37D633B846F1}">
-                <asvg:svgBlip xmlns:asvg="http://schemas.microsoft.com/office/drawing/2016/SVG/main" r:embed="rId29"/>
+                <asvg:svgBlip xmlns:asvg="http://schemas.microsoft.com/office/drawing/2016/SVG/main" r:embed="rId30"/>
               </a:ext>
             </a:extLst>
           </a:blip>
@@ -6932,10 +6866,10 @@
           <p:nvPr/>
         </p:nvPicPr>
         <p:blipFill>
-          <a:blip r:embed="rId28">
+          <a:blip r:embed="rId29">
             <a:extLst>
               <a:ext uri="{96DAC541-7B7A-43D3-8B79-37D633B846F1}">
-                <asvg:svgBlip xmlns:asvg="http://schemas.microsoft.com/office/drawing/2016/SVG/main" r:embed="rId29"/>
+                <asvg:svgBlip xmlns:asvg="http://schemas.microsoft.com/office/drawing/2016/SVG/main" r:embed="rId30"/>
               </a:ext>
             </a:extLst>
           </a:blip>
@@ -6976,10 +6910,10 @@
           <p:nvPr/>
         </p:nvPicPr>
         <p:blipFill>
-          <a:blip r:embed="rId28">
+          <a:blip r:embed="rId29">
             <a:extLst>
               <a:ext uri="{96DAC541-7B7A-43D3-8B79-37D633B846F1}">
-                <asvg:svgBlip xmlns:asvg="http://schemas.microsoft.com/office/drawing/2016/SVG/main" r:embed="rId29"/>
+                <asvg:svgBlip xmlns:asvg="http://schemas.microsoft.com/office/drawing/2016/SVG/main" r:embed="rId30"/>
               </a:ext>
             </a:extLst>
           </a:blip>
@@ -7020,10 +6954,10 @@
           <p:nvPr/>
         </p:nvPicPr>
         <p:blipFill>
-          <a:blip r:embed="rId28">
+          <a:blip r:embed="rId29">
             <a:extLst>
               <a:ext uri="{96DAC541-7B7A-43D3-8B79-37D633B846F1}">
-                <asvg:svgBlip xmlns:asvg="http://schemas.microsoft.com/office/drawing/2016/SVG/main" r:embed="rId29"/>
+                <asvg:svgBlip xmlns:asvg="http://schemas.microsoft.com/office/drawing/2016/SVG/main" r:embed="rId30"/>
               </a:ext>
             </a:extLst>
           </a:blip>
@@ -7056,10 +6990,10 @@
           <p:nvPr/>
         </p:nvPicPr>
         <p:blipFill>
-          <a:blip r:embed="rId28">
+          <a:blip r:embed="rId29">
             <a:extLst>
               <a:ext uri="{96DAC541-7B7A-43D3-8B79-37D633B846F1}">
-                <asvg:svgBlip xmlns:asvg="http://schemas.microsoft.com/office/drawing/2016/SVG/main" r:embed="rId29"/>
+                <asvg:svgBlip xmlns:asvg="http://schemas.microsoft.com/office/drawing/2016/SVG/main" r:embed="rId30"/>
               </a:ext>
             </a:extLst>
           </a:blip>
@@ -7100,10 +7034,10 @@
           <p:nvPr/>
         </p:nvPicPr>
         <p:blipFill>
-          <a:blip r:embed="rId32">
+          <a:blip r:embed="rId33">
             <a:extLst>
               <a:ext uri="{96DAC541-7B7A-43D3-8B79-37D633B846F1}">
-                <asvg:svgBlip xmlns:asvg="http://schemas.microsoft.com/office/drawing/2016/SVG/main" r:embed="rId33"/>
+                <asvg:svgBlip xmlns:asvg="http://schemas.microsoft.com/office/drawing/2016/SVG/main" r:embed="rId34"/>
               </a:ext>
             </a:extLst>
           </a:blip>
@@ -7144,10 +7078,10 @@
           <p:nvPr/>
         </p:nvPicPr>
         <p:blipFill>
-          <a:blip r:embed="rId32">
+          <a:blip r:embed="rId33">
             <a:extLst>
               <a:ext uri="{96DAC541-7B7A-43D3-8B79-37D633B846F1}">
-                <asvg:svgBlip xmlns:asvg="http://schemas.microsoft.com/office/drawing/2016/SVG/main" r:embed="rId33"/>
+                <asvg:svgBlip xmlns:asvg="http://schemas.microsoft.com/office/drawing/2016/SVG/main" r:embed="rId34"/>
               </a:ext>
             </a:extLst>
           </a:blip>
@@ -7180,10 +7114,10 @@
           <p:nvPr/>
         </p:nvPicPr>
         <p:blipFill>
-          <a:blip r:embed="rId28">
+          <a:blip r:embed="rId29">
             <a:extLst>
               <a:ext uri="{96DAC541-7B7A-43D3-8B79-37D633B846F1}">
-                <asvg:svgBlip xmlns:asvg="http://schemas.microsoft.com/office/drawing/2016/SVG/main" r:embed="rId29"/>
+                <asvg:svgBlip xmlns:asvg="http://schemas.microsoft.com/office/drawing/2016/SVG/main" r:embed="rId30"/>
               </a:ext>
             </a:extLst>
           </a:blip>
@@ -7216,10 +7150,10 @@
           <p:nvPr/>
         </p:nvPicPr>
         <p:blipFill>
-          <a:blip r:embed="rId32">
+          <a:blip r:embed="rId33">
             <a:extLst>
               <a:ext uri="{96DAC541-7B7A-43D3-8B79-37D633B846F1}">
-                <asvg:svgBlip xmlns:asvg="http://schemas.microsoft.com/office/drawing/2016/SVG/main" r:embed="rId33"/>
+                <asvg:svgBlip xmlns:asvg="http://schemas.microsoft.com/office/drawing/2016/SVG/main" r:embed="rId34"/>
               </a:ext>
             </a:extLst>
           </a:blip>
@@ -7437,7 +7371,7 @@
                 <a:avLst/>
               </a:prstGeom>
               <a:blipFill>
-                <a:blip r:embed="rId24"/>
+                <a:blip r:embed="rId25"/>
                 <a:stretch>
                   <a:fillRect/>
                 </a:stretch>
@@ -7473,10 +7407,10 @@
           <p:nvPr/>
         </p:nvPicPr>
         <p:blipFill>
-          <a:blip r:embed="rId32">
+          <a:blip r:embed="rId33">
             <a:extLst>
               <a:ext uri="{96DAC541-7B7A-43D3-8B79-37D633B846F1}">
-                <asvg:svgBlip xmlns:asvg="http://schemas.microsoft.com/office/drawing/2016/SVG/main" r:embed="rId33"/>
+                <asvg:svgBlip xmlns:asvg="http://schemas.microsoft.com/office/drawing/2016/SVG/main" r:embed="rId34"/>
               </a:ext>
             </a:extLst>
           </a:blip>
@@ -7509,10 +7443,10 @@
           <p:nvPr/>
         </p:nvPicPr>
         <p:blipFill>
-          <a:blip r:embed="rId32">
+          <a:blip r:embed="rId33">
             <a:extLst>
               <a:ext uri="{96DAC541-7B7A-43D3-8B79-37D633B846F1}">
-                <asvg:svgBlip xmlns:asvg="http://schemas.microsoft.com/office/drawing/2016/SVG/main" r:embed="rId33"/>
+                <asvg:svgBlip xmlns:asvg="http://schemas.microsoft.com/office/drawing/2016/SVG/main" r:embed="rId34"/>
               </a:ext>
             </a:extLst>
           </a:blip>
@@ -7524,6 +7458,72 @@
           <a:xfrm>
             <a:off x="1271255" y="2029809"/>
             <a:ext cx="499120" cy="465825"/>
+          </a:xfrm>
+          <a:prstGeom prst="rect">
+            <a:avLst/>
+          </a:prstGeom>
+        </p:spPr>
+      </p:pic>
+      <p:pic>
+        <p:nvPicPr>
+          <p:cNvPr id="9" name="Picture 8">
+            <a:extLst>
+              <a:ext uri="{FF2B5EF4-FFF2-40B4-BE49-F238E27FC236}">
+                <a16:creationId xmlns:a16="http://schemas.microsoft.com/office/drawing/2014/main" id="{EE444774-EBD7-7B62-C7D5-C6EC22A45980}"/>
+              </a:ext>
+            </a:extLst>
+          </p:cNvPr>
+          <p:cNvPicPr>
+            <a:picLocks noChangeAspect="1"/>
+          </p:cNvPicPr>
+          <p:nvPr/>
+        </p:nvPicPr>
+        <p:blipFill>
+          <a:blip r:embed="rId37"/>
+          <a:stretch>
+            <a:fillRect/>
+          </a:stretch>
+        </p:blipFill>
+        <p:spPr>
+          <a:xfrm>
+            <a:off x="277344" y="605023"/>
+            <a:ext cx="624456" cy="520074"/>
+          </a:xfrm>
+          <a:prstGeom prst="rect">
+            <a:avLst/>
+          </a:prstGeom>
+        </p:spPr>
+      </p:pic>
+      <p:pic>
+        <p:nvPicPr>
+          <p:cNvPr id="115" name="Graphic 114" descr="Money">
+            <a:extLst>
+              <a:ext uri="{FF2B5EF4-FFF2-40B4-BE49-F238E27FC236}">
+                <a16:creationId xmlns:a16="http://schemas.microsoft.com/office/drawing/2014/main" id="{469D0CC0-C40E-3D5B-6DA4-9CCA90FE8D26}"/>
+              </a:ext>
+            </a:extLst>
+          </p:cNvPr>
+          <p:cNvPicPr>
+            <a:picLocks noChangeAspect="1"/>
+          </p:cNvPicPr>
+          <p:nvPr/>
+        </p:nvPicPr>
+        <p:blipFill>
+          <a:blip r:embed="rId13">
+            <a:extLst>
+              <a:ext uri="{96DAC541-7B7A-43D3-8B79-37D633B846F1}">
+                <asvg:svgBlip xmlns:asvg="http://schemas.microsoft.com/office/drawing/2016/SVG/main" r:embed="rId38"/>
+              </a:ext>
+            </a:extLst>
+          </a:blip>
+          <a:stretch>
+            <a:fillRect/>
+          </a:stretch>
+        </p:blipFill>
+        <p:spPr>
+          <a:xfrm>
+            <a:off x="743983" y="435497"/>
+            <a:ext cx="390495" cy="390495"/>
           </a:xfrm>
           <a:prstGeom prst="rect">
             <a:avLst/>

--- a/Figure1/figure1.pptx
+++ b/Figure1/figure1.pptx
@@ -208,7 +208,7 @@
           <a:p>
             <a:fld id="{EE71EE4F-1070-4843-8F04-FAA00A473E71}" type="datetimeFigureOut">
               <a:rPr lang="en-GB" smtClean="0"/>
-              <a:t>12/05/2023</a:t>
+              <a:t>11/07/2023</a:t>
             </a:fld>
             <a:endParaRPr lang="en-GB"/>
           </a:p>
@@ -695,7 +695,7 @@
           <a:p>
             <a:fld id="{69692BFF-6F05-AF42-AB3E-12F88C32B737}" type="datetimeFigureOut">
               <a:rPr lang="en-GB" smtClean="0"/>
-              <a:t>12/05/2023</a:t>
+              <a:t>11/07/2023</a:t>
             </a:fld>
             <a:endParaRPr lang="en-GB"/>
           </a:p>
@@ -865,7 +865,7 @@
           <a:p>
             <a:fld id="{69692BFF-6F05-AF42-AB3E-12F88C32B737}" type="datetimeFigureOut">
               <a:rPr lang="en-GB" smtClean="0"/>
-              <a:t>12/05/2023</a:t>
+              <a:t>11/07/2023</a:t>
             </a:fld>
             <a:endParaRPr lang="en-GB"/>
           </a:p>
@@ -1045,7 +1045,7 @@
           <a:p>
             <a:fld id="{69692BFF-6F05-AF42-AB3E-12F88C32B737}" type="datetimeFigureOut">
               <a:rPr lang="en-GB" smtClean="0"/>
-              <a:t>12/05/2023</a:t>
+              <a:t>11/07/2023</a:t>
             </a:fld>
             <a:endParaRPr lang="en-GB"/>
           </a:p>
@@ -1215,7 +1215,7 @@
           <a:p>
             <a:fld id="{69692BFF-6F05-AF42-AB3E-12F88C32B737}" type="datetimeFigureOut">
               <a:rPr lang="en-GB" smtClean="0"/>
-              <a:t>12/05/2023</a:t>
+              <a:t>11/07/2023</a:t>
             </a:fld>
             <a:endParaRPr lang="en-GB"/>
           </a:p>
@@ -1461,7 +1461,7 @@
           <a:p>
             <a:fld id="{69692BFF-6F05-AF42-AB3E-12F88C32B737}" type="datetimeFigureOut">
               <a:rPr lang="en-GB" smtClean="0"/>
-              <a:t>12/05/2023</a:t>
+              <a:t>11/07/2023</a:t>
             </a:fld>
             <a:endParaRPr lang="en-GB"/>
           </a:p>
@@ -1693,7 +1693,7 @@
           <a:p>
             <a:fld id="{69692BFF-6F05-AF42-AB3E-12F88C32B737}" type="datetimeFigureOut">
               <a:rPr lang="en-GB" smtClean="0"/>
-              <a:t>12/05/2023</a:t>
+              <a:t>11/07/2023</a:t>
             </a:fld>
             <a:endParaRPr lang="en-GB"/>
           </a:p>
@@ -2060,7 +2060,7 @@
           <a:p>
             <a:fld id="{69692BFF-6F05-AF42-AB3E-12F88C32B737}" type="datetimeFigureOut">
               <a:rPr lang="en-GB" smtClean="0"/>
-              <a:t>12/05/2023</a:t>
+              <a:t>11/07/2023</a:t>
             </a:fld>
             <a:endParaRPr lang="en-GB"/>
           </a:p>
@@ -2178,7 +2178,7 @@
           <a:p>
             <a:fld id="{69692BFF-6F05-AF42-AB3E-12F88C32B737}" type="datetimeFigureOut">
               <a:rPr lang="en-GB" smtClean="0"/>
-              <a:t>12/05/2023</a:t>
+              <a:t>11/07/2023</a:t>
             </a:fld>
             <a:endParaRPr lang="en-GB"/>
           </a:p>
@@ -2273,7 +2273,7 @@
           <a:p>
             <a:fld id="{69692BFF-6F05-AF42-AB3E-12F88C32B737}" type="datetimeFigureOut">
               <a:rPr lang="en-GB" smtClean="0"/>
-              <a:t>12/05/2023</a:t>
+              <a:t>11/07/2023</a:t>
             </a:fld>
             <a:endParaRPr lang="en-GB"/>
           </a:p>
@@ -2550,7 +2550,7 @@
           <a:p>
             <a:fld id="{69692BFF-6F05-AF42-AB3E-12F88C32B737}" type="datetimeFigureOut">
               <a:rPr lang="en-GB" smtClean="0"/>
-              <a:t>12/05/2023</a:t>
+              <a:t>11/07/2023</a:t>
             </a:fld>
             <a:endParaRPr lang="en-GB"/>
           </a:p>
@@ -2807,7 +2807,7 @@
           <a:p>
             <a:fld id="{69692BFF-6F05-AF42-AB3E-12F88C32B737}" type="datetimeFigureOut">
               <a:rPr lang="en-GB" smtClean="0"/>
-              <a:t>12/05/2023</a:t>
+              <a:t>11/07/2023</a:t>
             </a:fld>
             <a:endParaRPr lang="en-GB"/>
           </a:p>
@@ -3020,7 +3020,7 @@
           <a:p>
             <a:fld id="{69692BFF-6F05-AF42-AB3E-12F88C32B737}" type="datetimeFigureOut">
               <a:rPr lang="en-GB" smtClean="0"/>
-              <a:t>12/05/2023</a:t>
+              <a:t>11/07/2023</a:t>
             </a:fld>
             <a:endParaRPr lang="en-GB"/>
           </a:p>
@@ -7171,8 +7171,8 @@
           </a:prstGeom>
         </p:spPr>
       </p:pic>
-      <mc:AlternateContent xmlns:mc="http://schemas.openxmlformats.org/markup-compatibility/2006" xmlns:a14="http://schemas.microsoft.com/office/drawing/2010/main">
-        <mc:Choice Requires="a14">
+      <mc:AlternateContent xmlns:mc="http://schemas.openxmlformats.org/markup-compatibility/2006">
+        <mc:Choice xmlns:a14="http://schemas.microsoft.com/office/drawing/2010/main" Requires="a14">
           <p:sp>
             <p:nvSpPr>
               <p:cNvPr id="7" name="TextBox 6">
@@ -7187,8 +7187,8 @@
             </p:nvSpPr>
             <p:spPr>
               <a:xfrm>
-                <a:off x="6253626" y="2415714"/>
-                <a:ext cx="387305" cy="268215"/>
+                <a:off x="6203379" y="2410045"/>
+                <a:ext cx="580657" cy="268215"/>
               </a:xfrm>
               <a:prstGeom prst="rect">
                 <a:avLst/>
@@ -7221,6 +7221,24 @@
                         </a:rPr>
                         <m:t>𝑔</m:t>
                       </m:r>
+                      <m:r>
+                        <a:rPr lang="de-DE" sz="1143" b="0" i="1" dirty="0" smtClean="0">
+                          <a:latin typeface="Cambria Math" panose="02040503050406030204" pitchFamily="18" charset="0"/>
+                        </a:rPr>
+                        <m:t>(</m:t>
+                      </m:r>
+                      <m:r>
+                        <a:rPr lang="de-DE" sz="1143" b="0" i="1" dirty="0" smtClean="0">
+                          <a:latin typeface="Cambria Math" panose="02040503050406030204" pitchFamily="18" charset="0"/>
+                        </a:rPr>
+                        <m:t>𝜃</m:t>
+                      </m:r>
+                      <m:r>
+                        <a:rPr lang="de-DE" sz="1143" b="0" i="1" dirty="0" smtClean="0">
+                          <a:latin typeface="Cambria Math" panose="02040503050406030204" pitchFamily="18" charset="0"/>
+                        </a:rPr>
+                        <m:t>)</m:t>
+                      </m:r>
                     </m:oMath>
                   </m:oMathPara>
                 </a14:m>
@@ -7229,7 +7247,7 @@
             </p:txBody>
           </p:sp>
         </mc:Choice>
-        <mc:Fallback xmlns="">
+        <mc:Fallback>
           <p:sp>
             <p:nvSpPr>
               <p:cNvPr id="7" name="TextBox 6">
@@ -7246,16 +7264,16 @@
             </p:nvSpPr>
             <p:spPr>
               <a:xfrm>
-                <a:off x="6253626" y="2415714"/>
-                <a:ext cx="387305" cy="268215"/>
+                <a:off x="6203379" y="2410045"/>
+                <a:ext cx="580657" cy="268215"/>
               </a:xfrm>
               <a:prstGeom prst="rect">
                 <a:avLst/>
               </a:prstGeom>
               <a:blipFill>
-                <a:blip r:embed="rId36"/>
+                <a:blip r:embed="rId35"/>
                 <a:stretch>
-                  <a:fillRect/>
+                  <a:fillRect r="-4255" b="-13636"/>
                 </a:stretch>
               </a:blipFill>
             </p:spPr>
@@ -7264,7 +7282,7 @@
               <a:lstStyle/>
               <a:p>
                 <a:r>
-                  <a:rPr lang="en-DE">
+                  <a:rPr lang="en-GB">
                     <a:noFill/>
                   </a:rPr>
                   <a:t> </a:t>
@@ -7479,7 +7497,7 @@
           <p:nvPr/>
         </p:nvPicPr>
         <p:blipFill>
-          <a:blip r:embed="rId37"/>
+          <a:blip r:embed="rId36"/>
           <a:stretch>
             <a:fillRect/>
           </a:stretch>
@@ -7512,7 +7530,7 @@
           <a:blip r:embed="rId13">
             <a:extLst>
               <a:ext uri="{96DAC541-7B7A-43D3-8B79-37D633B846F1}">
-                <asvg:svgBlip xmlns:asvg="http://schemas.microsoft.com/office/drawing/2016/SVG/main" r:embed="rId38"/>
+                <asvg:svgBlip xmlns:asvg="http://schemas.microsoft.com/office/drawing/2016/SVG/main" r:embed="rId37"/>
               </a:ext>
             </a:extLst>
           </a:blip>

--- a/Figure1/figure1.pptx
+++ b/Figure1/figure1.pptx
@@ -208,7 +208,7 @@
           <a:p>
             <a:fld id="{EE71EE4F-1070-4843-8F04-FAA00A473E71}" type="datetimeFigureOut">
               <a:rPr lang="en-GB" smtClean="0"/>
-              <a:t>11/07/2023</a:t>
+              <a:t>09/04/2025</a:t>
             </a:fld>
             <a:endParaRPr lang="en-GB"/>
           </a:p>
@@ -695,7 +695,7 @@
           <a:p>
             <a:fld id="{69692BFF-6F05-AF42-AB3E-12F88C32B737}" type="datetimeFigureOut">
               <a:rPr lang="en-GB" smtClean="0"/>
-              <a:t>11/07/2023</a:t>
+              <a:t>09/04/2025</a:t>
             </a:fld>
             <a:endParaRPr lang="en-GB"/>
           </a:p>
@@ -865,7 +865,7 @@
           <a:p>
             <a:fld id="{69692BFF-6F05-AF42-AB3E-12F88C32B737}" type="datetimeFigureOut">
               <a:rPr lang="en-GB" smtClean="0"/>
-              <a:t>11/07/2023</a:t>
+              <a:t>09/04/2025</a:t>
             </a:fld>
             <a:endParaRPr lang="en-GB"/>
           </a:p>
@@ -1045,7 +1045,7 @@
           <a:p>
             <a:fld id="{69692BFF-6F05-AF42-AB3E-12F88C32B737}" type="datetimeFigureOut">
               <a:rPr lang="en-GB" smtClean="0"/>
-              <a:t>11/07/2023</a:t>
+              <a:t>09/04/2025</a:t>
             </a:fld>
             <a:endParaRPr lang="en-GB"/>
           </a:p>
@@ -1215,7 +1215,7 @@
           <a:p>
             <a:fld id="{69692BFF-6F05-AF42-AB3E-12F88C32B737}" type="datetimeFigureOut">
               <a:rPr lang="en-GB" smtClean="0"/>
-              <a:t>11/07/2023</a:t>
+              <a:t>09/04/2025</a:t>
             </a:fld>
             <a:endParaRPr lang="en-GB"/>
           </a:p>
@@ -1461,7 +1461,7 @@
           <a:p>
             <a:fld id="{69692BFF-6F05-AF42-AB3E-12F88C32B737}" type="datetimeFigureOut">
               <a:rPr lang="en-GB" smtClean="0"/>
-              <a:t>11/07/2023</a:t>
+              <a:t>09/04/2025</a:t>
             </a:fld>
             <a:endParaRPr lang="en-GB"/>
           </a:p>
@@ -1693,7 +1693,7 @@
           <a:p>
             <a:fld id="{69692BFF-6F05-AF42-AB3E-12F88C32B737}" type="datetimeFigureOut">
               <a:rPr lang="en-GB" smtClean="0"/>
-              <a:t>11/07/2023</a:t>
+              <a:t>09/04/2025</a:t>
             </a:fld>
             <a:endParaRPr lang="en-GB"/>
           </a:p>
@@ -2060,7 +2060,7 @@
           <a:p>
             <a:fld id="{69692BFF-6F05-AF42-AB3E-12F88C32B737}" type="datetimeFigureOut">
               <a:rPr lang="en-GB" smtClean="0"/>
-              <a:t>11/07/2023</a:t>
+              <a:t>09/04/2025</a:t>
             </a:fld>
             <a:endParaRPr lang="en-GB"/>
           </a:p>
@@ -2178,7 +2178,7 @@
           <a:p>
             <a:fld id="{69692BFF-6F05-AF42-AB3E-12F88C32B737}" type="datetimeFigureOut">
               <a:rPr lang="en-GB" smtClean="0"/>
-              <a:t>11/07/2023</a:t>
+              <a:t>09/04/2025</a:t>
             </a:fld>
             <a:endParaRPr lang="en-GB"/>
           </a:p>
@@ -2273,7 +2273,7 @@
           <a:p>
             <a:fld id="{69692BFF-6F05-AF42-AB3E-12F88C32B737}" type="datetimeFigureOut">
               <a:rPr lang="en-GB" smtClean="0"/>
-              <a:t>11/07/2023</a:t>
+              <a:t>09/04/2025</a:t>
             </a:fld>
             <a:endParaRPr lang="en-GB"/>
           </a:p>
@@ -2550,7 +2550,7 @@
           <a:p>
             <a:fld id="{69692BFF-6F05-AF42-AB3E-12F88C32B737}" type="datetimeFigureOut">
               <a:rPr lang="en-GB" smtClean="0"/>
-              <a:t>11/07/2023</a:t>
+              <a:t>09/04/2025</a:t>
             </a:fld>
             <a:endParaRPr lang="en-GB"/>
           </a:p>
@@ -2807,7 +2807,7 @@
           <a:p>
             <a:fld id="{69692BFF-6F05-AF42-AB3E-12F88C32B737}" type="datetimeFigureOut">
               <a:rPr lang="en-GB" smtClean="0"/>
-              <a:t>11/07/2023</a:t>
+              <a:t>09/04/2025</a:t>
             </a:fld>
             <a:endParaRPr lang="en-GB"/>
           </a:p>
@@ -3020,7 +3020,7 @@
           <a:p>
             <a:fld id="{69692BFF-6F05-AF42-AB3E-12F88C32B737}" type="datetimeFigureOut">
               <a:rPr lang="en-GB" smtClean="0"/>
-              <a:t>11/07/2023</a:t>
+              <a:t>09/04/2025</a:t>
             </a:fld>
             <a:endParaRPr lang="en-GB"/>
           </a:p>
@@ -3425,6 +3425,42 @@
           <a:chExt cx="0" cy="0"/>
         </a:xfrm>
       </p:grpSpPr>
+      <p:pic>
+        <p:nvPicPr>
+          <p:cNvPr id="20" name="Graphic 19">
+            <a:extLst>
+              <a:ext uri="{FF2B5EF4-FFF2-40B4-BE49-F238E27FC236}">
+                <a16:creationId xmlns:a16="http://schemas.microsoft.com/office/drawing/2014/main" id="{12916E10-B781-F9E4-1115-D448A55AE0A8}"/>
+              </a:ext>
+            </a:extLst>
+          </p:cNvPr>
+          <p:cNvPicPr>
+            <a:picLocks noChangeAspect="1"/>
+          </p:cNvPicPr>
+          <p:nvPr/>
+        </p:nvPicPr>
+        <p:blipFill>
+          <a:blip r:embed="rId3">
+            <a:extLst>
+              <a:ext uri="{96DAC541-7B7A-43D3-8B79-37D633B846F1}">
+                <asvg:svgBlip xmlns:asvg="http://schemas.microsoft.com/office/drawing/2016/SVG/main" r:embed="rId4"/>
+              </a:ext>
+            </a:extLst>
+          </a:blip>
+          <a:stretch>
+            <a:fillRect/>
+          </a:stretch>
+        </p:blipFill>
+        <p:spPr>
+          <a:xfrm>
+            <a:off x="246600" y="555429"/>
+            <a:ext cx="640720" cy="574765"/>
+          </a:xfrm>
+          <a:prstGeom prst="rect">
+            <a:avLst/>
+          </a:prstGeom>
+        </p:spPr>
+      </p:pic>
       <p:sp>
         <p:nvSpPr>
           <p:cNvPr id="118" name="TextBox 117">
@@ -3573,36 +3609,6 @@
       </p:sp>
       <p:pic>
         <p:nvPicPr>
-          <p:cNvPr id="421" name="Picture 420">
-            <a:extLst>
-              <a:ext uri="{FF2B5EF4-FFF2-40B4-BE49-F238E27FC236}">
-                <a16:creationId xmlns:a16="http://schemas.microsoft.com/office/drawing/2014/main" id="{860D8DEF-FBBB-94CC-D757-F1DBED0E14CE}"/>
-              </a:ext>
-            </a:extLst>
-          </p:cNvPr>
-          <p:cNvPicPr>
-            <a:picLocks noChangeAspect="1"/>
-          </p:cNvPicPr>
-          <p:nvPr/>
-        </p:nvPicPr>
-        <p:blipFill>
-          <a:blip r:embed="rId3"/>
-          <a:stretch>
-            <a:fillRect/>
-          </a:stretch>
-        </p:blipFill>
-        <p:spPr>
-          <a:xfrm>
-            <a:off x="4737216" y="940977"/>
-            <a:ext cx="694383" cy="659123"/>
-          </a:xfrm>
-          <a:prstGeom prst="rect">
-            <a:avLst/>
-          </a:prstGeom>
-        </p:spPr>
-      </p:pic>
-      <p:pic>
-        <p:nvPicPr>
           <p:cNvPr id="422" name="Graphic 421" descr="Seeds">
             <a:extLst>
               <a:ext uri="{FF2B5EF4-FFF2-40B4-BE49-F238E27FC236}">
@@ -3616,10 +3622,10 @@
           <p:nvPr/>
         </p:nvPicPr>
         <p:blipFill>
-          <a:blip r:embed="rId4">
+          <a:blip r:embed="rId5">
             <a:extLst>
               <a:ext uri="{96DAC541-7B7A-43D3-8B79-37D633B846F1}">
-                <asvg:svgBlip xmlns:asvg="http://schemas.microsoft.com/office/drawing/2016/SVG/main" r:embed="rId5"/>
+                <asvg:svgBlip xmlns:asvg="http://schemas.microsoft.com/office/drawing/2016/SVG/main" r:embed="rId6"/>
               </a:ext>
             </a:extLst>
           </a:blip>
@@ -3652,10 +3658,10 @@
           <p:nvPr/>
         </p:nvPicPr>
         <p:blipFill>
-          <a:blip r:embed="rId6">
+          <a:blip r:embed="rId7">
             <a:extLst>
               <a:ext uri="{96DAC541-7B7A-43D3-8B79-37D633B846F1}">
-                <asvg:svgBlip xmlns:asvg="http://schemas.microsoft.com/office/drawing/2016/SVG/main" r:embed="rId7"/>
+                <asvg:svgBlip xmlns:asvg="http://schemas.microsoft.com/office/drawing/2016/SVG/main" r:embed="rId8"/>
               </a:ext>
             </a:extLst>
           </a:blip>
@@ -4756,112 +4762,8 @@
           </p:sp>
         </mc:Fallback>
       </mc:AlternateContent>
-      <mc:AlternateContent xmlns:mc="http://schemas.openxmlformats.org/markup-compatibility/2006" xmlns:a14="http://schemas.microsoft.com/office/drawing/2010/main">
-        <mc:Choice Requires="a14">
-          <p:sp>
-            <p:nvSpPr>
-              <p:cNvPr id="580" name="TextBox 579">
-                <a:extLst>
-                  <a:ext uri="{FF2B5EF4-FFF2-40B4-BE49-F238E27FC236}">
-                    <a16:creationId xmlns:a16="http://schemas.microsoft.com/office/drawing/2014/main" id="{2303770B-A5C5-DF96-A903-8C6224784E72}"/>
-                  </a:ext>
-                </a:extLst>
-              </p:cNvPr>
-              <p:cNvSpPr txBox="1"/>
-              <p:nvPr/>
-            </p:nvSpPr>
-            <p:spPr>
-              <a:xfrm>
-                <a:off x="840641" y="831692"/>
-                <a:ext cx="387305" cy="268215"/>
-              </a:xfrm>
-              <a:prstGeom prst="rect">
-                <a:avLst/>
-              </a:prstGeom>
-              <a:noFill/>
-            </p:spPr>
-            <p:txBody>
-              <a:bodyPr wrap="square" rtlCol="0">
-                <a:spAutoFit/>
-              </a:bodyPr>
-              <a:lstStyle/>
-              <a:p>
-                <a:pPr/>
-                <a14:m>
-                  <m:oMathPara xmlns:m="http://schemas.openxmlformats.org/officeDocument/2006/math">
-                    <m:oMathParaPr>
-                      <m:jc m:val="centerGroup"/>
-                    </m:oMathParaPr>
-                    <m:oMath xmlns:m="http://schemas.openxmlformats.org/officeDocument/2006/math">
-                      <m:r>
-                        <a:rPr lang="en-GB" sz="1143" i="1" dirty="0">
-                          <a:latin typeface="Cambria Math" panose="02040503050406030204" pitchFamily="18" charset="0"/>
-                          <a:ea typeface="Cambria Math" panose="02040503050406030204" pitchFamily="18" charset="0"/>
-                        </a:rPr>
-                        <m:t>≡</m:t>
-                      </m:r>
-                      <m:r>
-                        <a:rPr lang="de-DE" sz="1143" i="1" dirty="0">
-                          <a:latin typeface="Cambria Math" panose="02040503050406030204" pitchFamily="18" charset="0"/>
-                          <a:ea typeface="Cambria Math" panose="02040503050406030204" pitchFamily="18" charset="0"/>
-                        </a:rPr>
-                        <m:t>𝜃</m:t>
-                      </m:r>
-                    </m:oMath>
-                  </m:oMathPara>
-                </a14:m>
-                <a:endParaRPr lang="en-GB" sz="1143" dirty="0"/>
-              </a:p>
-            </p:txBody>
-          </p:sp>
-        </mc:Choice>
-        <mc:Fallback xmlns="">
-          <p:sp>
-            <p:nvSpPr>
-              <p:cNvPr id="580" name="TextBox 579">
-                <a:extLst>
-                  <a:ext uri="{FF2B5EF4-FFF2-40B4-BE49-F238E27FC236}">
-                    <a16:creationId xmlns:a16="http://schemas.microsoft.com/office/drawing/2014/main" id="{2303770B-A5C5-DF96-A903-8C6224784E72}"/>
-                  </a:ext>
-                </a:extLst>
-              </p:cNvPr>
-              <p:cNvSpPr txBox="1">
-                <a:spLocks noRot="1" noChangeAspect="1" noMove="1" noResize="1" noEditPoints="1" noAdjustHandles="1" noChangeArrowheads="1" noChangeShapeType="1" noTextEdit="1"/>
-              </p:cNvSpPr>
-              <p:nvPr/>
-            </p:nvSpPr>
-            <p:spPr>
-              <a:xfrm>
-                <a:off x="840641" y="831692"/>
-                <a:ext cx="387305" cy="268215"/>
-              </a:xfrm>
-              <a:prstGeom prst="rect">
-                <a:avLst/>
-              </a:prstGeom>
-              <a:blipFill>
-                <a:blip r:embed="rId20"/>
-                <a:stretch>
-                  <a:fillRect/>
-                </a:stretch>
-              </a:blipFill>
-            </p:spPr>
-            <p:txBody>
-              <a:bodyPr/>
-              <a:lstStyle/>
-              <a:p>
-                <a:r>
-                  <a:rPr lang="en-DE">
-                    <a:noFill/>
-                  </a:rPr>
-                  <a:t> </a:t>
-                </a:r>
-              </a:p>
-            </p:txBody>
-          </p:sp>
-        </mc:Fallback>
-      </mc:AlternateContent>
-      <mc:AlternateContent xmlns:mc="http://schemas.openxmlformats.org/markup-compatibility/2006" xmlns:a14="http://schemas.microsoft.com/office/drawing/2010/main">
-        <mc:Choice Requires="a14">
+      <mc:AlternateContent xmlns:mc="http://schemas.openxmlformats.org/markup-compatibility/2006">
+        <mc:Choice xmlns:a14="http://schemas.microsoft.com/office/drawing/2010/main" Requires="a14">
           <p:sp>
             <p:nvSpPr>
               <p:cNvPr id="581" name="TextBox 580">
@@ -4876,7 +4778,7 @@
             </p:nvSpPr>
             <p:spPr>
               <a:xfrm>
-                <a:off x="1101978" y="440084"/>
+                <a:off x="1101978" y="487579"/>
                 <a:ext cx="387305" cy="268215"/>
               </a:xfrm>
               <a:prstGeom prst="rect">
@@ -4919,7 +4821,7 @@
             </p:txBody>
           </p:sp>
         </mc:Choice>
-        <mc:Fallback xmlns="">
+        <mc:Fallback>
           <p:sp>
             <p:nvSpPr>
               <p:cNvPr id="581" name="TextBox 580">
@@ -4936,14 +4838,14 @@
             </p:nvSpPr>
             <p:spPr>
               <a:xfrm>
-                <a:off x="1101978" y="440084"/>
+                <a:off x="1101978" y="487579"/>
                 <a:ext cx="387305" cy="268215"/>
               </a:xfrm>
               <a:prstGeom prst="rect">
                 <a:avLst/>
               </a:prstGeom>
               <a:blipFill>
-                <a:blip r:embed="rId21"/>
+                <a:blip r:embed="rId20"/>
                 <a:stretch>
                   <a:fillRect b="-4545"/>
                 </a:stretch>
@@ -7171,8 +7073,8 @@
           </a:prstGeom>
         </p:spPr>
       </p:pic>
-      <mc:AlternateContent xmlns:mc="http://schemas.openxmlformats.org/markup-compatibility/2006">
-        <mc:Choice xmlns:a14="http://schemas.microsoft.com/office/drawing/2010/main" Requires="a14">
+      <mc:AlternateContent xmlns:mc="http://schemas.openxmlformats.org/markup-compatibility/2006" xmlns:a14="http://schemas.microsoft.com/office/drawing/2010/main">
+        <mc:Choice Requires="a14">
           <p:sp>
             <p:nvSpPr>
               <p:cNvPr id="7" name="TextBox 6">
@@ -7247,7 +7149,7 @@
             </p:txBody>
           </p:sp>
         </mc:Choice>
-        <mc:Fallback>
+        <mc:Fallback xmlns="">
           <p:sp>
             <p:nvSpPr>
               <p:cNvPr id="7" name="TextBox 6">
@@ -7484,36 +7386,6 @@
       </p:pic>
       <p:pic>
         <p:nvPicPr>
-          <p:cNvPr id="9" name="Picture 8">
-            <a:extLst>
-              <a:ext uri="{FF2B5EF4-FFF2-40B4-BE49-F238E27FC236}">
-                <a16:creationId xmlns:a16="http://schemas.microsoft.com/office/drawing/2014/main" id="{EE444774-EBD7-7B62-C7D5-C6EC22A45980}"/>
-              </a:ext>
-            </a:extLst>
-          </p:cNvPr>
-          <p:cNvPicPr>
-            <a:picLocks noChangeAspect="1"/>
-          </p:cNvPicPr>
-          <p:nvPr/>
-        </p:nvPicPr>
-        <p:blipFill>
-          <a:blip r:embed="rId36"/>
-          <a:stretch>
-            <a:fillRect/>
-          </a:stretch>
-        </p:blipFill>
-        <p:spPr>
-          <a:xfrm>
-            <a:off x="277344" y="605023"/>
-            <a:ext cx="624456" cy="520074"/>
-          </a:xfrm>
-          <a:prstGeom prst="rect">
-            <a:avLst/>
-          </a:prstGeom>
-        </p:spPr>
-      </p:pic>
-      <p:pic>
-        <p:nvPicPr>
           <p:cNvPr id="115" name="Graphic 114" descr="Money">
             <a:extLst>
               <a:ext uri="{FF2B5EF4-FFF2-40B4-BE49-F238E27FC236}">
@@ -7530,7 +7402,7 @@
           <a:blip r:embed="rId13">
             <a:extLst>
               <a:ext uri="{96DAC541-7B7A-43D3-8B79-37D633B846F1}">
-                <asvg:svgBlip xmlns:asvg="http://schemas.microsoft.com/office/drawing/2016/SVG/main" r:embed="rId37"/>
+                <asvg:svgBlip xmlns:asvg="http://schemas.microsoft.com/office/drawing/2016/SVG/main" r:embed="rId36"/>
               </a:ext>
             </a:extLst>
           </a:blip>
@@ -7540,8 +7412,148 @@
         </p:blipFill>
         <p:spPr>
           <a:xfrm>
-            <a:off x="743983" y="435497"/>
+            <a:off x="776750" y="422390"/>
             <a:ext cx="390495" cy="390495"/>
+          </a:xfrm>
+          <a:prstGeom prst="rect">
+            <a:avLst/>
+          </a:prstGeom>
+        </p:spPr>
+      </p:pic>
+      <mc:AlternateContent xmlns:mc="http://schemas.openxmlformats.org/markup-compatibility/2006">
+        <mc:Choice xmlns:a14="http://schemas.microsoft.com/office/drawing/2010/main" Requires="a14">
+          <p:sp>
+            <p:nvSpPr>
+              <p:cNvPr id="580" name="TextBox 579">
+                <a:extLst>
+                  <a:ext uri="{FF2B5EF4-FFF2-40B4-BE49-F238E27FC236}">
+                    <a16:creationId xmlns:a16="http://schemas.microsoft.com/office/drawing/2014/main" id="{2303770B-A5C5-DF96-A903-8C6224784E72}"/>
+                  </a:ext>
+                </a:extLst>
+              </p:cNvPr>
+              <p:cNvSpPr txBox="1"/>
+              <p:nvPr/>
+            </p:nvSpPr>
+            <p:spPr>
+              <a:xfrm>
+                <a:off x="842095" y="861979"/>
+                <a:ext cx="387305" cy="268215"/>
+              </a:xfrm>
+              <a:prstGeom prst="rect">
+                <a:avLst/>
+              </a:prstGeom>
+              <a:noFill/>
+            </p:spPr>
+            <p:txBody>
+              <a:bodyPr wrap="square" rtlCol="0">
+                <a:spAutoFit/>
+              </a:bodyPr>
+              <a:lstStyle/>
+              <a:p>
+                <a:pPr/>
+                <a14:m>
+                  <m:oMathPara xmlns:m="http://schemas.openxmlformats.org/officeDocument/2006/math">
+                    <m:oMathParaPr>
+                      <m:jc m:val="centerGroup"/>
+                    </m:oMathParaPr>
+                    <m:oMath xmlns:m="http://schemas.openxmlformats.org/officeDocument/2006/math">
+                      <m:r>
+                        <a:rPr lang="en-GB" sz="1143" i="1" dirty="0">
+                          <a:latin typeface="Cambria Math" panose="02040503050406030204" pitchFamily="18" charset="0"/>
+                          <a:ea typeface="Cambria Math" panose="02040503050406030204" pitchFamily="18" charset="0"/>
+                        </a:rPr>
+                        <m:t>≡</m:t>
+                      </m:r>
+                      <m:r>
+                        <a:rPr lang="de-DE" sz="1143" i="1" dirty="0">
+                          <a:latin typeface="Cambria Math" panose="02040503050406030204" pitchFamily="18" charset="0"/>
+                          <a:ea typeface="Cambria Math" panose="02040503050406030204" pitchFamily="18" charset="0"/>
+                        </a:rPr>
+                        <m:t>𝜃</m:t>
+                      </m:r>
+                    </m:oMath>
+                  </m:oMathPara>
+                </a14:m>
+                <a:endParaRPr lang="en-GB" sz="1143" dirty="0"/>
+              </a:p>
+            </p:txBody>
+          </p:sp>
+        </mc:Choice>
+        <mc:Fallback>
+          <p:sp>
+            <p:nvSpPr>
+              <p:cNvPr id="580" name="TextBox 579">
+                <a:extLst>
+                  <a:ext uri="{FF2B5EF4-FFF2-40B4-BE49-F238E27FC236}">
+                    <a16:creationId xmlns:a16="http://schemas.microsoft.com/office/drawing/2014/main" id="{2303770B-A5C5-DF96-A903-8C6224784E72}"/>
+                  </a:ext>
+                </a:extLst>
+              </p:cNvPr>
+              <p:cNvSpPr txBox="1">
+                <a:spLocks noRot="1" noChangeAspect="1" noMove="1" noResize="1" noEditPoints="1" noAdjustHandles="1" noChangeArrowheads="1" noChangeShapeType="1" noTextEdit="1"/>
+              </p:cNvSpPr>
+              <p:nvPr/>
+            </p:nvSpPr>
+            <p:spPr>
+              <a:xfrm>
+                <a:off x="842095" y="861979"/>
+                <a:ext cx="387305" cy="268215"/>
+              </a:xfrm>
+              <a:prstGeom prst="rect">
+                <a:avLst/>
+              </a:prstGeom>
+              <a:blipFill>
+                <a:blip r:embed="rId37"/>
+                <a:stretch>
+                  <a:fillRect/>
+                </a:stretch>
+              </a:blipFill>
+            </p:spPr>
+            <p:txBody>
+              <a:bodyPr/>
+              <a:lstStyle/>
+              <a:p>
+                <a:r>
+                  <a:rPr lang="en-DE">
+                    <a:noFill/>
+                  </a:rPr>
+                  <a:t> </a:t>
+                </a:r>
+              </a:p>
+            </p:txBody>
+          </p:sp>
+        </mc:Fallback>
+      </mc:AlternateContent>
+      <p:pic>
+        <p:nvPicPr>
+          <p:cNvPr id="14" name="Graphic 13">
+            <a:extLst>
+              <a:ext uri="{FF2B5EF4-FFF2-40B4-BE49-F238E27FC236}">
+                <a16:creationId xmlns:a16="http://schemas.microsoft.com/office/drawing/2014/main" id="{911399F1-CB79-BEDB-B7AB-5BD00D30CA1F}"/>
+              </a:ext>
+            </a:extLst>
+          </p:cNvPr>
+          <p:cNvPicPr>
+            <a:picLocks noChangeAspect="1"/>
+          </p:cNvPicPr>
+          <p:nvPr/>
+        </p:nvPicPr>
+        <p:blipFill>
+          <a:blip r:embed="rId38">
+            <a:extLst>
+              <a:ext uri="{96DAC541-7B7A-43D3-8B79-37D633B846F1}">
+                <asvg:svgBlip xmlns:asvg="http://schemas.microsoft.com/office/drawing/2016/SVG/main" r:embed="rId39"/>
+              </a:ext>
+            </a:extLst>
+          </a:blip>
+          <a:stretch>
+            <a:fillRect/>
+          </a:stretch>
+        </p:blipFill>
+        <p:spPr>
+          <a:xfrm>
+            <a:off x="4822602" y="896194"/>
+            <a:ext cx="852798" cy="712338"/>
           </a:xfrm>
           <a:prstGeom prst="rect">
             <a:avLst/>
